--- a/Лекции/ИТиП 2 лек 4.pptx
+++ b/Лекции/ИТиП 2 лек 4.pptx
@@ -5,7 +5,7 @@
     <p:sldMasterId id="2147483674" r:id="rId1"/>
   </p:sldMasterIdLst>
   <p:notesMasterIdLst>
-    <p:notesMasterId r:id="rId42"/>
+    <p:notesMasterId r:id="rId43"/>
   </p:notesMasterIdLst>
   <p:sldIdLst>
     <p:sldId id="273" r:id="rId2"/>
@@ -37,17 +37,18 @@
     <p:sldId id="1096" r:id="rId28"/>
     <p:sldId id="1097" r:id="rId29"/>
     <p:sldId id="1098" r:id="rId30"/>
-    <p:sldId id="1099" r:id="rId31"/>
-    <p:sldId id="1100" r:id="rId32"/>
-    <p:sldId id="1101" r:id="rId33"/>
-    <p:sldId id="1102" r:id="rId34"/>
-    <p:sldId id="1103" r:id="rId35"/>
-    <p:sldId id="1104" r:id="rId36"/>
-    <p:sldId id="1105" r:id="rId37"/>
-    <p:sldId id="1106" r:id="rId38"/>
-    <p:sldId id="1107" r:id="rId39"/>
-    <p:sldId id="1108" r:id="rId40"/>
-    <p:sldId id="1080" r:id="rId41"/>
+    <p:sldId id="1116" r:id="rId31"/>
+    <p:sldId id="1099" r:id="rId32"/>
+    <p:sldId id="1100" r:id="rId33"/>
+    <p:sldId id="1101" r:id="rId34"/>
+    <p:sldId id="1102" r:id="rId35"/>
+    <p:sldId id="1103" r:id="rId36"/>
+    <p:sldId id="1104" r:id="rId37"/>
+    <p:sldId id="1105" r:id="rId38"/>
+    <p:sldId id="1106" r:id="rId39"/>
+    <p:sldId id="1107" r:id="rId40"/>
+    <p:sldId id="1108" r:id="rId41"/>
+    <p:sldId id="1080" r:id="rId42"/>
   </p:sldIdLst>
   <p:sldSz cx="12192000" cy="6858000"/>
   <p:notesSz cx="6858000" cy="9144000"/>
@@ -251,7 +252,7 @@
             <a:fld id="{AA2F9473-F066-431E-A6E8-1D478C995A6B}" type="datetimeFigureOut">
               <a:rPr lang="en-US" smtClean="0"/>
               <a:pPr/>
-              <a:t>5/2/2025</a:t>
+              <a:t>2/10/2026</a:t>
             </a:fld>
             <a:endParaRPr lang="en-US"/>
           </a:p>
@@ -2670,7 +2671,7 @@
     </p:spTree>
     <p:extLst>
       <p:ext uri="{BB962C8B-B14F-4D97-AF65-F5344CB8AC3E}">
-        <p14:creationId xmlns:p14="http://schemas.microsoft.com/office/powerpoint/2010/main" val="1578053486"/>
+        <p14:creationId xmlns:p14="http://schemas.microsoft.com/office/powerpoint/2010/main" val="3288368256"/>
       </p:ext>
     </p:extLst>
   </p:cSld>
@@ -2760,7 +2761,7 @@
     </p:spTree>
     <p:extLst>
       <p:ext uri="{BB962C8B-B14F-4D97-AF65-F5344CB8AC3E}">
-        <p14:creationId xmlns:p14="http://schemas.microsoft.com/office/powerpoint/2010/main" val="355491652"/>
+        <p14:creationId xmlns:p14="http://schemas.microsoft.com/office/powerpoint/2010/main" val="1578053486"/>
       </p:ext>
     </p:extLst>
   </p:cSld>
@@ -2850,7 +2851,7 @@
     </p:spTree>
     <p:extLst>
       <p:ext uri="{BB962C8B-B14F-4D97-AF65-F5344CB8AC3E}">
-        <p14:creationId xmlns:p14="http://schemas.microsoft.com/office/powerpoint/2010/main" val="2731688120"/>
+        <p14:creationId xmlns:p14="http://schemas.microsoft.com/office/powerpoint/2010/main" val="355491652"/>
       </p:ext>
     </p:extLst>
   </p:cSld>
@@ -2940,7 +2941,7 @@
     </p:spTree>
     <p:extLst>
       <p:ext uri="{BB962C8B-B14F-4D97-AF65-F5344CB8AC3E}">
-        <p14:creationId xmlns:p14="http://schemas.microsoft.com/office/powerpoint/2010/main" val="2437094567"/>
+        <p14:creationId xmlns:p14="http://schemas.microsoft.com/office/powerpoint/2010/main" val="2731688120"/>
       </p:ext>
     </p:extLst>
   </p:cSld>
@@ -3030,7 +3031,7 @@
     </p:spTree>
     <p:extLst>
       <p:ext uri="{BB962C8B-B14F-4D97-AF65-F5344CB8AC3E}">
-        <p14:creationId xmlns:p14="http://schemas.microsoft.com/office/powerpoint/2010/main" val="805481380"/>
+        <p14:creationId xmlns:p14="http://schemas.microsoft.com/office/powerpoint/2010/main" val="2437094567"/>
       </p:ext>
     </p:extLst>
   </p:cSld>
@@ -3120,7 +3121,7 @@
     </p:spTree>
     <p:extLst>
       <p:ext uri="{BB962C8B-B14F-4D97-AF65-F5344CB8AC3E}">
-        <p14:creationId xmlns:p14="http://schemas.microsoft.com/office/powerpoint/2010/main" val="2038896093"/>
+        <p14:creationId xmlns:p14="http://schemas.microsoft.com/office/powerpoint/2010/main" val="805481380"/>
       </p:ext>
     </p:extLst>
   </p:cSld>
@@ -3210,7 +3211,7 @@
     </p:spTree>
     <p:extLst>
       <p:ext uri="{BB962C8B-B14F-4D97-AF65-F5344CB8AC3E}">
-        <p14:creationId xmlns:p14="http://schemas.microsoft.com/office/powerpoint/2010/main" val="2849839578"/>
+        <p14:creationId xmlns:p14="http://schemas.microsoft.com/office/powerpoint/2010/main" val="2038896093"/>
       </p:ext>
     </p:extLst>
   </p:cSld>
@@ -3300,7 +3301,7 @@
     </p:spTree>
     <p:extLst>
       <p:ext uri="{BB962C8B-B14F-4D97-AF65-F5344CB8AC3E}">
-        <p14:creationId xmlns:p14="http://schemas.microsoft.com/office/powerpoint/2010/main" val="2298534377"/>
+        <p14:creationId xmlns:p14="http://schemas.microsoft.com/office/powerpoint/2010/main" val="2849839578"/>
       </p:ext>
     </p:extLst>
   </p:cSld>
@@ -3390,7 +3391,7 @@
     </p:spTree>
     <p:extLst>
       <p:ext uri="{BB962C8B-B14F-4D97-AF65-F5344CB8AC3E}">
-        <p14:creationId xmlns:p14="http://schemas.microsoft.com/office/powerpoint/2010/main" val="268650795"/>
+        <p14:creationId xmlns:p14="http://schemas.microsoft.com/office/powerpoint/2010/main" val="2298534377"/>
       </p:ext>
     </p:extLst>
   </p:cSld>
@@ -3480,7 +3481,7 @@
     </p:spTree>
     <p:extLst>
       <p:ext uri="{BB962C8B-B14F-4D97-AF65-F5344CB8AC3E}">
-        <p14:creationId xmlns:p14="http://schemas.microsoft.com/office/powerpoint/2010/main" val="425341307"/>
+        <p14:creationId xmlns:p14="http://schemas.microsoft.com/office/powerpoint/2010/main" val="268650795"/>
       </p:ext>
     </p:extLst>
   </p:cSld>
@@ -3652,6 +3653,96 @@
               <a:rPr lang="en-US" smtClean="0"/>
               <a:pPr/>
               <a:t>40</a:t>
+            </a:fld>
+            <a:endParaRPr lang="en-US"/>
+          </a:p>
+        </p:txBody>
+      </p:sp>
+    </p:spTree>
+    <p:extLst>
+      <p:ext uri="{BB962C8B-B14F-4D97-AF65-F5344CB8AC3E}">
+        <p14:creationId xmlns:p14="http://schemas.microsoft.com/office/powerpoint/2010/main" val="425341307"/>
+      </p:ext>
+    </p:extLst>
+  </p:cSld>
+  <p:clrMapOvr>
+    <a:masterClrMapping/>
+  </p:clrMapOvr>
+</p:notes>
+</file>
+
+<file path=ppt/notesSlides/notesSlide41.xml><?xml version="1.0" encoding="utf-8"?>
+<p:notes xmlns:a="http://schemas.openxmlformats.org/drawingml/2006/main" xmlns:r="http://schemas.openxmlformats.org/officeDocument/2006/relationships" xmlns:p="http://schemas.openxmlformats.org/presentationml/2006/main">
+  <p:cSld>
+    <p:spTree>
+      <p:nvGrpSpPr>
+        <p:cNvPr id="1" name=""/>
+        <p:cNvGrpSpPr/>
+        <p:nvPr/>
+      </p:nvGrpSpPr>
+      <p:grpSpPr>
+        <a:xfrm>
+          <a:off x="0" y="0"/>
+          <a:ext cx="0" cy="0"/>
+          <a:chOff x="0" y="0"/>
+          <a:chExt cx="0" cy="0"/>
+        </a:xfrm>
+      </p:grpSpPr>
+      <p:sp>
+        <p:nvSpPr>
+          <p:cNvPr id="2" name="Образ слайда 1"/>
+          <p:cNvSpPr>
+            <a:spLocks noGrp="1" noRot="1" noChangeAspect="1"/>
+          </p:cNvSpPr>
+          <p:nvPr>
+            <p:ph type="sldImg"/>
+          </p:nvPr>
+        </p:nvSpPr>
+        <p:spPr>
+          <a:xfrm>
+            <a:off x="685800" y="1143000"/>
+            <a:ext cx="5486400" cy="3086100"/>
+          </a:xfrm>
+        </p:spPr>
+      </p:sp>
+      <p:sp>
+        <p:nvSpPr>
+          <p:cNvPr id="3" name="Заметки 2"/>
+          <p:cNvSpPr>
+            <a:spLocks noGrp="1"/>
+          </p:cNvSpPr>
+          <p:nvPr>
+            <p:ph type="body" idx="1"/>
+          </p:nvPr>
+        </p:nvSpPr>
+        <p:spPr/>
+        <p:txBody>
+          <a:bodyPr/>
+          <a:lstStyle/>
+          <a:p>
+            <a:endParaRPr lang="ru-RU"/>
+          </a:p>
+        </p:txBody>
+      </p:sp>
+      <p:sp>
+        <p:nvSpPr>
+          <p:cNvPr id="4" name="Номер слайда 3"/>
+          <p:cNvSpPr>
+            <a:spLocks noGrp="1"/>
+          </p:cNvSpPr>
+          <p:nvPr>
+            <p:ph type="sldNum" sz="quarter" idx="10"/>
+          </p:nvPr>
+        </p:nvSpPr>
+        <p:spPr/>
+        <p:txBody>
+          <a:bodyPr/>
+          <a:lstStyle/>
+          <a:p>
+            <a:fld id="{F0F4E2F1-1521-4C3A-A563-2F7D19AB6E0B}" type="slidenum">
+              <a:rPr lang="en-US" smtClean="0"/>
+              <a:pPr/>
+              <a:t>41</a:t>
             </a:fld>
             <a:endParaRPr lang="en-US"/>
           </a:p>
@@ -17123,22 +17214,13 @@
               <a:t> </a:t>
             </a:r>
             <a:r>
-              <a:rPr lang="ru-RU" sz="2400" dirty="0">
-                <a:solidFill>
-                  <a:srgbClr val="000000"/>
-                </a:solidFill>
-                <a:latin typeface="Cascadia Mono" panose="020B0609020000020004" pitchFamily="49" charset="0"/>
-              </a:rPr>
-              <a:t>С</a:t>
-            </a:r>
-            <a:r>
-              <a:rPr lang="en-US" sz="2400" dirty="0" err="1">
-                <a:solidFill>
-                  <a:srgbClr val="000000"/>
-                </a:solidFill>
-                <a:latin typeface="Cascadia Mono" panose="020B0609020000020004" pitchFamily="49" charset="0"/>
-              </a:rPr>
-              <a:t>heckAge</a:t>
+              <a:rPr lang="en-US" sz="2400" dirty="0" err="1" smtClean="0">
+                <a:solidFill>
+                  <a:srgbClr val="000000"/>
+                </a:solidFill>
+                <a:latin typeface="Cascadia Mono" panose="020B0609020000020004" pitchFamily="49" charset="0"/>
+              </a:rPr>
+              <a:t>CheckAge</a:t>
             </a:r>
             <a:r>
               <a:rPr lang="en-US" sz="2400" dirty="0">
@@ -17449,6 +17531,223 @@
 </file>
 
 <file path=ppt/slides/slide30.xml><?xml version="1.0" encoding="utf-8"?>
+<p:sld xmlns:a="http://schemas.openxmlformats.org/drawingml/2006/main" xmlns:r="http://schemas.openxmlformats.org/officeDocument/2006/relationships" xmlns:p="http://schemas.openxmlformats.org/presentationml/2006/main">
+  <p:cSld>
+    <p:spTree>
+      <p:nvGrpSpPr>
+        <p:cNvPr id="1" name=""/>
+        <p:cNvGrpSpPr/>
+        <p:nvPr/>
+      </p:nvGrpSpPr>
+      <p:grpSpPr>
+        <a:xfrm>
+          <a:off x="0" y="0"/>
+          <a:ext cx="0" cy="0"/>
+          <a:chOff x="0" y="0"/>
+          <a:chExt cx="0" cy="0"/>
+        </a:xfrm>
+      </p:grpSpPr>
+      <p:sp>
+        <p:nvSpPr>
+          <p:cNvPr id="11" name="Rectangle 28" descr="Светлый диагональный 2"/>
+          <p:cNvSpPr>
+            <a:spLocks noChangeArrowheads="1"/>
+          </p:cNvSpPr>
+          <p:nvPr/>
+        </p:nvSpPr>
+        <p:spPr bwMode="auto">
+          <a:xfrm>
+            <a:off x="0" y="-1"/>
+            <a:ext cx="12192000" cy="654357"/>
+          </a:xfrm>
+          <a:prstGeom prst="rect">
+            <a:avLst/>
+          </a:prstGeom>
+          <a:pattFill prst="ltUpDiag">
+            <a:fgClr>
+              <a:schemeClr val="accent1">
+                <a:lumMod val="40000"/>
+                <a:lumOff val="60000"/>
+              </a:schemeClr>
+            </a:fgClr>
+            <a:bgClr>
+              <a:srgbClr val="FFFFFF"/>
+            </a:bgClr>
+          </a:pattFill>
+          <a:ln w="15875" algn="ctr">
+            <a:solidFill>
+              <a:schemeClr val="accent5">
+                <a:lumMod val="50000"/>
+              </a:schemeClr>
+            </a:solidFill>
+            <a:miter lim="800000"/>
+            <a:headEnd/>
+            <a:tailEnd/>
+          </a:ln>
+          <a:effectLst/>
+        </p:spPr>
+        <p:txBody>
+          <a:bodyPr vert="horz" wrap="square" lIns="18000" tIns="18000" rIns="18000" bIns="18000" numCol="1" anchor="ctr" anchorCtr="0" compatLnSpc="1">
+            <a:prstTxWarp prst="textNoShape">
+              <a:avLst/>
+            </a:prstTxWarp>
+          </a:bodyPr>
+          <a:lstStyle/>
+          <a:p>
+            <a:pPr algn="ctr"/>
+            <a:r>
+              <a:rPr lang="ru-RU" sz="2800" b="1" dirty="0" smtClean="0">
+                <a:solidFill>
+                  <a:schemeClr val="tx2">
+                    <a:lumMod val="50000"/>
+                  </a:schemeClr>
+                </a:solidFill>
+                <a:latin typeface="Bookman Old Style" panose="02050604050505020204" pitchFamily="18" charset="0"/>
+                <a:cs typeface="Times New Roman" panose="02020603050405020304" pitchFamily="18" charset="0"/>
+              </a:rPr>
+              <a:t>Модификатор </a:t>
+            </a:r>
+            <a:r>
+              <a:rPr lang="en-US" sz="2800" b="1" dirty="0" smtClean="0">
+                <a:solidFill>
+                  <a:schemeClr val="tx2">
+                    <a:lumMod val="50000"/>
+                  </a:schemeClr>
+                </a:solidFill>
+                <a:latin typeface="Bookman Old Style" panose="02050604050505020204" pitchFamily="18" charset="0"/>
+                <a:cs typeface="Times New Roman" panose="02020603050405020304" pitchFamily="18" charset="0"/>
+              </a:rPr>
+              <a:t>internal</a:t>
+            </a:r>
+            <a:endParaRPr lang="ru-RU" sz="2800" b="1" dirty="0">
+              <a:solidFill>
+                <a:schemeClr val="tx2">
+                  <a:lumMod val="50000"/>
+                </a:schemeClr>
+              </a:solidFill>
+              <a:latin typeface="Bookman Old Style" panose="02050604050505020204" pitchFamily="18" charset="0"/>
+              <a:cs typeface="Times New Roman" panose="02020603050405020304" pitchFamily="18" charset="0"/>
+            </a:endParaRPr>
+          </a:p>
+        </p:txBody>
+      </p:sp>
+      <p:sp>
+        <p:nvSpPr>
+          <p:cNvPr id="7" name="Прямоугольник 6"/>
+          <p:cNvSpPr/>
+          <p:nvPr/>
+        </p:nvSpPr>
+        <p:spPr>
+          <a:xfrm>
+            <a:off x="0" y="654356"/>
+            <a:ext cx="12192000" cy="3658374"/>
+          </a:xfrm>
+          <a:prstGeom prst="rect">
+            <a:avLst/>
+          </a:prstGeom>
+        </p:spPr>
+        <p:txBody>
+          <a:bodyPr wrap="square" lIns="360000" rIns="360000">
+            <a:spAutoFit/>
+          </a:bodyPr>
+          <a:lstStyle/>
+          <a:p>
+            <a:pPr algn="just">
+              <a:lnSpc>
+                <a:spcPct val="140000"/>
+              </a:lnSpc>
+            </a:pPr>
+            <a:r>
+              <a:rPr lang="ru-RU" sz="2400" b="1" dirty="0" err="1">
+                <a:latin typeface="Bookman Old Style" panose="02050604050505020204" pitchFamily="18" charset="0"/>
+              </a:rPr>
+              <a:t>internal</a:t>
+            </a:r>
+            <a:r>
+              <a:rPr lang="ru-RU" sz="2400" dirty="0">
+                <a:latin typeface="Bookman Old Style" panose="02050604050505020204" pitchFamily="18" charset="0"/>
+              </a:rPr>
+              <a:t>: компоненты класса или структуры доступен из любого места кода в той же сборке, однако он недоступен для других программ и сборок.</a:t>
+            </a:r>
+          </a:p>
+          <a:p>
+            <a:pPr algn="just">
+              <a:lnSpc>
+                <a:spcPct val="140000"/>
+              </a:lnSpc>
+            </a:pPr>
+            <a:r>
+              <a:rPr lang="ru-RU" sz="2400" b="1" dirty="0" err="1">
+                <a:latin typeface="Bookman Old Style" panose="02050604050505020204" pitchFamily="18" charset="0"/>
+              </a:rPr>
+              <a:t>protected</a:t>
+            </a:r>
+            <a:r>
+              <a:rPr lang="ru-RU" sz="2400" b="1" dirty="0">
+                <a:latin typeface="Bookman Old Style" panose="02050604050505020204" pitchFamily="18" charset="0"/>
+              </a:rPr>
+              <a:t> </a:t>
+            </a:r>
+            <a:r>
+              <a:rPr lang="ru-RU" sz="2400" b="1" dirty="0" err="1">
+                <a:latin typeface="Bookman Old Style" panose="02050604050505020204" pitchFamily="18" charset="0"/>
+              </a:rPr>
+              <a:t>internal</a:t>
+            </a:r>
+            <a:r>
+              <a:rPr lang="ru-RU" sz="2400" dirty="0">
+                <a:latin typeface="Bookman Old Style" panose="02050604050505020204" pitchFamily="18" charset="0"/>
+              </a:rPr>
+              <a:t>: совмещает функционал двух модификаторов </a:t>
+            </a:r>
+            <a:r>
+              <a:rPr lang="ru-RU" sz="2400" dirty="0" err="1">
+                <a:latin typeface="Bookman Old Style" panose="02050604050505020204" pitchFamily="18" charset="0"/>
+              </a:rPr>
+              <a:t>protected</a:t>
+            </a:r>
+            <a:r>
+              <a:rPr lang="ru-RU" sz="2400" dirty="0">
+                <a:latin typeface="Bookman Old Style" panose="02050604050505020204" pitchFamily="18" charset="0"/>
+              </a:rPr>
+              <a:t> и </a:t>
+            </a:r>
+            <a:r>
+              <a:rPr lang="ru-RU" sz="2400" dirty="0" err="1">
+                <a:latin typeface="Bookman Old Style" panose="02050604050505020204" pitchFamily="18" charset="0"/>
+              </a:rPr>
+              <a:t>internal</a:t>
+            </a:r>
+            <a:r>
+              <a:rPr lang="ru-RU" sz="2400" dirty="0">
+                <a:latin typeface="Bookman Old Style" panose="02050604050505020204" pitchFamily="18" charset="0"/>
+              </a:rPr>
+              <a:t>. Такой компонент класса доступен из любого места в текущей сборке и из производных классов, которые могут располагаться в других сборках.</a:t>
+            </a:r>
+          </a:p>
+        </p:txBody>
+      </p:sp>
+    </p:spTree>
+    <p:extLst>
+      <p:ext uri="{BB962C8B-B14F-4D97-AF65-F5344CB8AC3E}">
+        <p14:creationId xmlns:p14="http://schemas.microsoft.com/office/powerpoint/2010/main" val="3340576136"/>
+      </p:ext>
+    </p:extLst>
+  </p:cSld>
+  <p:clrMapOvr>
+    <a:masterClrMapping/>
+  </p:clrMapOvr>
+  <p:timing>
+    <p:tnLst>
+      <p:par>
+        <p:cTn id="1" dur="indefinite" restart="never" nodeType="tmRoot"/>
+      </p:par>
+    </p:tnLst>
+  </p:timing>
+</p:sld>
+</file>
+
+<file path=ppt/slides/slide31.xml><?xml version="1.0" encoding="utf-8"?>
 <p:sld xmlns:a="http://schemas.openxmlformats.org/drawingml/2006/main" xmlns:r="http://schemas.openxmlformats.org/officeDocument/2006/relationships" xmlns:p="http://schemas.openxmlformats.org/presentationml/2006/main">
   <p:cSld>
     <p:spTree>
@@ -17781,7 +18080,7 @@
 </p:sld>
 </file>
 
-<file path=ppt/slides/slide31.xml><?xml version="1.0" encoding="utf-8"?>
+<file path=ppt/slides/slide32.xml><?xml version="1.0" encoding="utf-8"?>
 <p:sld xmlns:a="http://schemas.openxmlformats.org/drawingml/2006/main" xmlns:r="http://schemas.openxmlformats.org/officeDocument/2006/relationships" xmlns:p="http://schemas.openxmlformats.org/presentationml/2006/main">
   <p:cSld>
     <p:spTree>
@@ -18260,7 +18559,7 @@
 </p:sld>
 </file>
 
-<file path=ppt/slides/slide32.xml><?xml version="1.0" encoding="utf-8"?>
+<file path=ppt/slides/slide33.xml><?xml version="1.0" encoding="utf-8"?>
 <p:sld xmlns:a="http://schemas.openxmlformats.org/drawingml/2006/main" xmlns:r="http://schemas.openxmlformats.org/officeDocument/2006/relationships" xmlns:p="http://schemas.openxmlformats.org/presentationml/2006/main">
   <p:cSld>
     <p:spTree>
@@ -18579,7 +18878,7 @@
 </p:sld>
 </file>
 
-<file path=ppt/slides/slide33.xml><?xml version="1.0" encoding="utf-8"?>
+<file path=ppt/slides/slide34.xml><?xml version="1.0" encoding="utf-8"?>
 <p:sld xmlns:a="http://schemas.openxmlformats.org/drawingml/2006/main" xmlns:r="http://schemas.openxmlformats.org/officeDocument/2006/relationships" xmlns:p="http://schemas.openxmlformats.org/presentationml/2006/main">
   <p:cSld>
     <p:spTree>
@@ -18784,7 +19083,7 @@
 </p:sld>
 </file>
 
-<file path=ppt/slides/slide34.xml><?xml version="1.0" encoding="utf-8"?>
+<file path=ppt/slides/slide35.xml><?xml version="1.0" encoding="utf-8"?>
 <p:sld xmlns:a="http://schemas.openxmlformats.org/drawingml/2006/main" xmlns:r="http://schemas.openxmlformats.org/officeDocument/2006/relationships" xmlns:p="http://schemas.openxmlformats.org/presentationml/2006/main">
   <p:cSld>
     <p:spTree>
@@ -18972,7 +19271,7 @@
 </p:sld>
 </file>
 
-<file path=ppt/slides/slide35.xml><?xml version="1.0" encoding="utf-8"?>
+<file path=ppt/slides/slide36.xml><?xml version="1.0" encoding="utf-8"?>
 <p:sld xmlns:a="http://schemas.openxmlformats.org/drawingml/2006/main" xmlns:r="http://schemas.openxmlformats.org/officeDocument/2006/relationships" xmlns:p="http://schemas.openxmlformats.org/presentationml/2006/main">
   <p:cSld>
     <p:spTree>
@@ -19074,7 +19373,7 @@
 </p:sld>
 </file>
 
-<file path=ppt/slides/slide36.xml><?xml version="1.0" encoding="utf-8"?>
+<file path=ppt/slides/slide37.xml><?xml version="1.0" encoding="utf-8"?>
 <p:sld xmlns:a="http://schemas.openxmlformats.org/drawingml/2006/main" xmlns:r="http://schemas.openxmlformats.org/officeDocument/2006/relationships" xmlns:p="http://schemas.openxmlformats.org/presentationml/2006/main">
   <p:cSld>
     <p:spTree>
@@ -19400,7 +19699,7 @@
 </p:sld>
 </file>
 
-<file path=ppt/slides/slide37.xml><?xml version="1.0" encoding="utf-8"?>
+<file path=ppt/slides/slide38.xml><?xml version="1.0" encoding="utf-8"?>
 <p:sld xmlns:a="http://schemas.openxmlformats.org/drawingml/2006/main" xmlns:r="http://schemas.openxmlformats.org/officeDocument/2006/relationships" xmlns:p="http://schemas.openxmlformats.org/presentationml/2006/main">
   <p:cSld>
     <p:spTree>
@@ -19633,7 +19932,7 @@
 </p:sld>
 </file>
 
-<file path=ppt/slides/slide38.xml><?xml version="1.0" encoding="utf-8"?>
+<file path=ppt/slides/slide39.xml><?xml version="1.0" encoding="utf-8"?>
 <p:sld xmlns:a="http://schemas.openxmlformats.org/drawingml/2006/main" xmlns:r="http://schemas.openxmlformats.org/officeDocument/2006/relationships" xmlns:p="http://schemas.openxmlformats.org/presentationml/2006/main">
   <p:cSld>
     <p:spTree>
@@ -20888,431 +21187,6 @@
     <p:extLst>
       <p:ext uri="{BB962C8B-B14F-4D97-AF65-F5344CB8AC3E}">
         <p14:creationId xmlns:p14="http://schemas.microsoft.com/office/powerpoint/2010/main" val="3021736091"/>
-      </p:ext>
-    </p:extLst>
-  </p:cSld>
-  <p:clrMapOvr>
-    <a:masterClrMapping/>
-  </p:clrMapOvr>
-  <p:timing>
-    <p:tnLst>
-      <p:par>
-        <p:cTn id="1" dur="indefinite" restart="never" nodeType="tmRoot"/>
-      </p:par>
-    </p:tnLst>
-  </p:timing>
-</p:sld>
-</file>
-
-<file path=ppt/slides/slide39.xml><?xml version="1.0" encoding="utf-8"?>
-<p:sld xmlns:a="http://schemas.openxmlformats.org/drawingml/2006/main" xmlns:r="http://schemas.openxmlformats.org/officeDocument/2006/relationships" xmlns:p="http://schemas.openxmlformats.org/presentationml/2006/main">
-  <p:cSld>
-    <p:spTree>
-      <p:nvGrpSpPr>
-        <p:cNvPr id="1" name=""/>
-        <p:cNvGrpSpPr/>
-        <p:nvPr/>
-      </p:nvGrpSpPr>
-      <p:grpSpPr>
-        <a:xfrm>
-          <a:off x="0" y="0"/>
-          <a:ext cx="0" cy="0"/>
-          <a:chOff x="0" y="0"/>
-          <a:chExt cx="0" cy="0"/>
-        </a:xfrm>
-      </p:grpSpPr>
-      <p:sp>
-        <p:nvSpPr>
-          <p:cNvPr id="7" name="Прямоугольник 6"/>
-          <p:cNvSpPr/>
-          <p:nvPr/>
-        </p:nvSpPr>
-        <p:spPr>
-          <a:xfrm>
-            <a:off x="272078" y="523727"/>
-            <a:ext cx="11716722" cy="4339650"/>
-          </a:xfrm>
-          <a:prstGeom prst="rect">
-            <a:avLst/>
-          </a:prstGeom>
-        </p:spPr>
-        <p:txBody>
-          <a:bodyPr wrap="square">
-            <a:spAutoFit/>
-          </a:bodyPr>
-          <a:lstStyle/>
-          <a:p>
-            <a:pPr algn="just">
-              <a:lnSpc>
-                <a:spcPct val="150000"/>
-              </a:lnSpc>
-            </a:pPr>
-            <a:r>
-              <a:rPr lang="ru-RU" sz="2400" dirty="0" smtClean="0">
-                <a:solidFill>
-                  <a:srgbClr val="202122"/>
-                </a:solidFill>
-                <a:latin typeface="Bookman Old Style" panose="02050604050505020204" pitchFamily="18" charset="0"/>
-              </a:rPr>
-              <a:t>Пример использования написанного метода-расширения:</a:t>
-            </a:r>
-            <a:endParaRPr lang="en-US" sz="2400" dirty="0">
-              <a:solidFill>
-                <a:srgbClr val="202122"/>
-              </a:solidFill>
-              <a:latin typeface="Bookman Old Style" panose="02050604050505020204" pitchFamily="18" charset="0"/>
-            </a:endParaRPr>
-          </a:p>
-          <a:p>
-            <a:endParaRPr lang="ru-RU" sz="2400" dirty="0" smtClean="0">
-              <a:solidFill>
-                <a:srgbClr val="0000FF"/>
-              </a:solidFill>
-              <a:highlight>
-                <a:srgbClr val="FFFFFF"/>
-              </a:highlight>
-              <a:latin typeface="Cascadia Mono" panose="020B0609020000020004" pitchFamily="49" charset="0"/>
-            </a:endParaRPr>
-          </a:p>
-          <a:p>
-            <a:endParaRPr lang="ru-RU" sz="2400" dirty="0">
-              <a:solidFill>
-                <a:srgbClr val="0000FF"/>
-              </a:solidFill>
-              <a:highlight>
-                <a:srgbClr val="FFFFFF"/>
-              </a:highlight>
-              <a:latin typeface="Cascadia Mono" panose="020B0609020000020004" pitchFamily="49" charset="0"/>
-            </a:endParaRPr>
-          </a:p>
-          <a:p>
-            <a:r>
-              <a:rPr lang="en-US" sz="2400" dirty="0" smtClean="0">
-                <a:solidFill>
-                  <a:srgbClr val="0000FF"/>
-                </a:solidFill>
-                <a:highlight>
-                  <a:srgbClr val="FFFFFF"/>
-                </a:highlight>
-                <a:latin typeface="Cascadia Mono" panose="020B0609020000020004" pitchFamily="49" charset="0"/>
-              </a:rPr>
-              <a:t>using</a:t>
-            </a:r>
-            <a:r>
-              <a:rPr lang="en-US" sz="2400" dirty="0" smtClean="0">
-                <a:solidFill>
-                  <a:srgbClr val="000000"/>
-                </a:solidFill>
-                <a:highlight>
-                  <a:srgbClr val="FFFFFF"/>
-                </a:highlight>
-                <a:latin typeface="Cascadia Mono" panose="020B0609020000020004" pitchFamily="49" charset="0"/>
-              </a:rPr>
-              <a:t> </a:t>
-            </a:r>
-            <a:r>
-              <a:rPr lang="en-US" sz="2400" dirty="0">
-                <a:solidFill>
-                  <a:srgbClr val="000000"/>
-                </a:solidFill>
-                <a:highlight>
-                  <a:srgbClr val="FFFFFF"/>
-                </a:highlight>
-                <a:latin typeface="Cascadia Mono" panose="020B0609020000020004" pitchFamily="49" charset="0"/>
-              </a:rPr>
-              <a:t>ConsoleApp2;</a:t>
-            </a:r>
-          </a:p>
-          <a:p>
-            <a:r>
-              <a:rPr lang="en-US" sz="2400" dirty="0">
-                <a:solidFill>
-                  <a:srgbClr val="0000FF"/>
-                </a:solidFill>
-                <a:highlight>
-                  <a:srgbClr val="FFFFFF"/>
-                </a:highlight>
-                <a:latin typeface="Cascadia Mono" panose="020B0609020000020004" pitchFamily="49" charset="0"/>
-              </a:rPr>
-              <a:t>using</a:t>
-            </a:r>
-            <a:r>
-              <a:rPr lang="en-US" sz="2400" dirty="0">
-                <a:solidFill>
-                  <a:srgbClr val="000000"/>
-                </a:solidFill>
-                <a:highlight>
-                  <a:srgbClr val="FFFFFF"/>
-                </a:highlight>
-                <a:latin typeface="Cascadia Mono" panose="020B0609020000020004" pitchFamily="49" charset="0"/>
-              </a:rPr>
-              <a:t> </a:t>
-            </a:r>
-            <a:r>
-              <a:rPr lang="en-US" sz="2400" dirty="0" err="1">
-                <a:solidFill>
-                  <a:srgbClr val="000000"/>
-                </a:solidFill>
-                <a:highlight>
-                  <a:srgbClr val="FFFFFF"/>
-                </a:highlight>
-                <a:latin typeface="Cascadia Mono" panose="020B0609020000020004" pitchFamily="49" charset="0"/>
-              </a:rPr>
-              <a:t>GeometryLibrary</a:t>
-            </a:r>
-            <a:r>
-              <a:rPr lang="en-US" sz="2400" dirty="0">
-                <a:solidFill>
-                  <a:srgbClr val="000000"/>
-                </a:solidFill>
-                <a:highlight>
-                  <a:srgbClr val="FFFFFF"/>
-                </a:highlight>
-                <a:latin typeface="Cascadia Mono" panose="020B0609020000020004" pitchFamily="49" charset="0"/>
-              </a:rPr>
-              <a:t>;</a:t>
-            </a:r>
-          </a:p>
-          <a:p>
-            <a:endParaRPr lang="ru-RU" sz="2400" dirty="0">
-              <a:solidFill>
-                <a:srgbClr val="000000"/>
-              </a:solidFill>
-              <a:highlight>
-                <a:srgbClr val="FFFFFF"/>
-              </a:highlight>
-              <a:latin typeface="Cascadia Mono" panose="020B0609020000020004" pitchFamily="49" charset="0"/>
-            </a:endParaRPr>
-          </a:p>
-          <a:p>
-            <a:r>
-              <a:rPr lang="en-US" sz="2400" dirty="0" err="1">
-                <a:solidFill>
-                  <a:srgbClr val="0000FF"/>
-                </a:solidFill>
-                <a:highlight>
-                  <a:srgbClr val="FFFFFF"/>
-                </a:highlight>
-                <a:latin typeface="Cascadia Mono" panose="020B0609020000020004" pitchFamily="49" charset="0"/>
-              </a:rPr>
-              <a:t>var</a:t>
-            </a:r>
-            <a:r>
-              <a:rPr lang="en-US" sz="2400" dirty="0">
-                <a:solidFill>
-                  <a:srgbClr val="000000"/>
-                </a:solidFill>
-                <a:highlight>
-                  <a:srgbClr val="FFFFFF"/>
-                </a:highlight>
-                <a:latin typeface="Cascadia Mono" panose="020B0609020000020004" pitchFamily="49" charset="0"/>
-              </a:rPr>
-              <a:t> circle = </a:t>
-            </a:r>
-            <a:r>
-              <a:rPr lang="en-US" sz="2400" dirty="0">
-                <a:solidFill>
-                  <a:srgbClr val="0000FF"/>
-                </a:solidFill>
-                <a:highlight>
-                  <a:srgbClr val="FFFFFF"/>
-                </a:highlight>
-                <a:latin typeface="Cascadia Mono" panose="020B0609020000020004" pitchFamily="49" charset="0"/>
-              </a:rPr>
-              <a:t>new</a:t>
-            </a:r>
-            <a:r>
-              <a:rPr lang="en-US" sz="2400" dirty="0">
-                <a:solidFill>
-                  <a:srgbClr val="000000"/>
-                </a:solidFill>
-                <a:highlight>
-                  <a:srgbClr val="FFFFFF"/>
-                </a:highlight>
-                <a:latin typeface="Cascadia Mono" panose="020B0609020000020004" pitchFamily="49" charset="0"/>
-              </a:rPr>
-              <a:t> </a:t>
-            </a:r>
-            <a:r>
-              <a:rPr lang="en-US" sz="2400" dirty="0">
-                <a:solidFill>
-                  <a:srgbClr val="2B91AF"/>
-                </a:solidFill>
-                <a:highlight>
-                  <a:srgbClr val="FFFFFF"/>
-                </a:highlight>
-                <a:latin typeface="Cascadia Mono" panose="020B0609020000020004" pitchFamily="49" charset="0"/>
-              </a:rPr>
-              <a:t>Circle</a:t>
-            </a:r>
-            <a:r>
-              <a:rPr lang="en-US" sz="2400" dirty="0">
-                <a:solidFill>
-                  <a:srgbClr val="000000"/>
-                </a:solidFill>
-                <a:highlight>
-                  <a:srgbClr val="FFFFFF"/>
-                </a:highlight>
-                <a:latin typeface="Cascadia Mono" panose="020B0609020000020004" pitchFamily="49" charset="0"/>
-              </a:rPr>
-              <a:t>(6);</a:t>
-            </a:r>
-          </a:p>
-          <a:p>
-            <a:endParaRPr lang="ru-RU" sz="2400" dirty="0">
-              <a:solidFill>
-                <a:srgbClr val="000000"/>
-              </a:solidFill>
-              <a:highlight>
-                <a:srgbClr val="FFFFFF"/>
-              </a:highlight>
-              <a:latin typeface="Cascadia Mono" panose="020B0609020000020004" pitchFamily="49" charset="0"/>
-            </a:endParaRPr>
-          </a:p>
-          <a:p>
-            <a:r>
-              <a:rPr lang="en-US" sz="2400" dirty="0" err="1">
-                <a:solidFill>
-                  <a:srgbClr val="0000FF"/>
-                </a:solidFill>
-                <a:highlight>
-                  <a:srgbClr val="FFFFFF"/>
-                </a:highlight>
-                <a:latin typeface="Cascadia Mono" panose="020B0609020000020004" pitchFamily="49" charset="0"/>
-              </a:rPr>
-              <a:t>var</a:t>
-            </a:r>
-            <a:r>
-              <a:rPr lang="en-US" sz="2400" dirty="0">
-                <a:solidFill>
-                  <a:srgbClr val="000000"/>
-                </a:solidFill>
-                <a:highlight>
-                  <a:srgbClr val="FFFFFF"/>
-                </a:highlight>
-                <a:latin typeface="Cascadia Mono" panose="020B0609020000020004" pitchFamily="49" charset="0"/>
-              </a:rPr>
-              <a:t> area = </a:t>
-            </a:r>
-            <a:r>
-              <a:rPr lang="en-US" sz="2400" dirty="0" err="1">
-                <a:solidFill>
-                  <a:srgbClr val="000000"/>
-                </a:solidFill>
-                <a:highlight>
-                  <a:srgbClr val="FFFFFF"/>
-                </a:highlight>
-                <a:latin typeface="Cascadia Mono" panose="020B0609020000020004" pitchFamily="49" charset="0"/>
-              </a:rPr>
-              <a:t>circle.GetArea</a:t>
-            </a:r>
-            <a:r>
-              <a:rPr lang="en-US" sz="2400" dirty="0">
-                <a:solidFill>
-                  <a:srgbClr val="000000"/>
-                </a:solidFill>
-                <a:highlight>
-                  <a:srgbClr val="FFFFFF"/>
-                </a:highlight>
-                <a:latin typeface="Cascadia Mono" panose="020B0609020000020004" pitchFamily="49" charset="0"/>
-              </a:rPr>
-              <a:t>();</a:t>
-            </a:r>
-          </a:p>
-          <a:p>
-            <a:endParaRPr lang="ru-RU" sz="2400" dirty="0">
-              <a:solidFill>
-                <a:srgbClr val="000000"/>
-              </a:solidFill>
-              <a:highlight>
-                <a:srgbClr val="FFFFFF"/>
-              </a:highlight>
-              <a:latin typeface="Cascadia Mono" panose="020B0609020000020004" pitchFamily="49" charset="0"/>
-            </a:endParaRPr>
-          </a:p>
-          <a:p>
-            <a:r>
-              <a:rPr lang="en-US" sz="2400" dirty="0" err="1">
-                <a:solidFill>
-                  <a:srgbClr val="0000FF"/>
-                </a:solidFill>
-                <a:highlight>
-                  <a:srgbClr val="FFFFFF"/>
-                </a:highlight>
-                <a:latin typeface="Cascadia Mono" panose="020B0609020000020004" pitchFamily="49" charset="0"/>
-              </a:rPr>
-              <a:t>var</a:t>
-            </a:r>
-            <a:r>
-              <a:rPr lang="en-US" sz="2400" dirty="0">
-                <a:solidFill>
-                  <a:srgbClr val="000000"/>
-                </a:solidFill>
-                <a:highlight>
-                  <a:srgbClr val="FFFFFF"/>
-                </a:highlight>
-                <a:latin typeface="Cascadia Mono" panose="020B0609020000020004" pitchFamily="49" charset="0"/>
-              </a:rPr>
-              <a:t> </a:t>
-            </a:r>
-            <a:r>
-              <a:rPr lang="en-US" sz="2400" dirty="0" err="1">
-                <a:solidFill>
-                  <a:srgbClr val="000000"/>
-                </a:solidFill>
-                <a:highlight>
-                  <a:srgbClr val="FFFFFF"/>
-                </a:highlight>
-                <a:latin typeface="Cascadia Mono" panose="020B0609020000020004" pitchFamily="49" charset="0"/>
-              </a:rPr>
-              <a:t>sectorArea</a:t>
-            </a:r>
-            <a:r>
-              <a:rPr lang="en-US" sz="2400" dirty="0">
-                <a:solidFill>
-                  <a:srgbClr val="000000"/>
-                </a:solidFill>
-                <a:highlight>
-                  <a:srgbClr val="FFFFFF"/>
-                </a:highlight>
-                <a:latin typeface="Cascadia Mono" panose="020B0609020000020004" pitchFamily="49" charset="0"/>
-              </a:rPr>
-              <a:t> = </a:t>
-            </a:r>
-            <a:r>
-              <a:rPr lang="en-US" sz="2400" dirty="0" err="1">
-                <a:solidFill>
-                  <a:srgbClr val="000000"/>
-                </a:solidFill>
-                <a:highlight>
-                  <a:srgbClr val="FFFFFF"/>
-                </a:highlight>
-                <a:latin typeface="Cascadia Mono" panose="020B0609020000020004" pitchFamily="49" charset="0"/>
-              </a:rPr>
-              <a:t>circle.GetSectorArea</a:t>
-            </a:r>
-            <a:r>
-              <a:rPr lang="en-US" sz="2400" dirty="0">
-                <a:solidFill>
-                  <a:srgbClr val="000000"/>
-                </a:solidFill>
-                <a:highlight>
-                  <a:srgbClr val="FFFFFF"/>
-                </a:highlight>
-                <a:latin typeface="Cascadia Mono" panose="020B0609020000020004" pitchFamily="49" charset="0"/>
-              </a:rPr>
-              <a:t>(15);</a:t>
-            </a:r>
-            <a:endParaRPr lang="ru-RU" sz="2400" dirty="0">
-              <a:latin typeface="Bookman Old Style" panose="02050604050505020204" pitchFamily="18" charset="0"/>
-            </a:endParaRPr>
-          </a:p>
-        </p:txBody>
-      </p:sp>
-    </p:spTree>
-    <p:extLst>
-      <p:ext uri="{BB962C8B-B14F-4D97-AF65-F5344CB8AC3E}">
-        <p14:creationId xmlns:p14="http://schemas.microsoft.com/office/powerpoint/2010/main" val="691113884"/>
       </p:ext>
     </p:extLst>
   </p:cSld>
@@ -21590,6 +21464,431 @@
 </file>
 
 <file path=ppt/slides/slide40.xml><?xml version="1.0" encoding="utf-8"?>
+<p:sld xmlns:a="http://schemas.openxmlformats.org/drawingml/2006/main" xmlns:r="http://schemas.openxmlformats.org/officeDocument/2006/relationships" xmlns:p="http://schemas.openxmlformats.org/presentationml/2006/main">
+  <p:cSld>
+    <p:spTree>
+      <p:nvGrpSpPr>
+        <p:cNvPr id="1" name=""/>
+        <p:cNvGrpSpPr/>
+        <p:nvPr/>
+      </p:nvGrpSpPr>
+      <p:grpSpPr>
+        <a:xfrm>
+          <a:off x="0" y="0"/>
+          <a:ext cx="0" cy="0"/>
+          <a:chOff x="0" y="0"/>
+          <a:chExt cx="0" cy="0"/>
+        </a:xfrm>
+      </p:grpSpPr>
+      <p:sp>
+        <p:nvSpPr>
+          <p:cNvPr id="7" name="Прямоугольник 6"/>
+          <p:cNvSpPr/>
+          <p:nvPr/>
+        </p:nvSpPr>
+        <p:spPr>
+          <a:xfrm>
+            <a:off x="272078" y="523727"/>
+            <a:ext cx="11716722" cy="4339650"/>
+          </a:xfrm>
+          <a:prstGeom prst="rect">
+            <a:avLst/>
+          </a:prstGeom>
+        </p:spPr>
+        <p:txBody>
+          <a:bodyPr wrap="square">
+            <a:spAutoFit/>
+          </a:bodyPr>
+          <a:lstStyle/>
+          <a:p>
+            <a:pPr algn="just">
+              <a:lnSpc>
+                <a:spcPct val="150000"/>
+              </a:lnSpc>
+            </a:pPr>
+            <a:r>
+              <a:rPr lang="ru-RU" sz="2400" dirty="0" smtClean="0">
+                <a:solidFill>
+                  <a:srgbClr val="202122"/>
+                </a:solidFill>
+                <a:latin typeface="Bookman Old Style" panose="02050604050505020204" pitchFamily="18" charset="0"/>
+              </a:rPr>
+              <a:t>Пример использования написанного метода-расширения:</a:t>
+            </a:r>
+            <a:endParaRPr lang="en-US" sz="2400" dirty="0">
+              <a:solidFill>
+                <a:srgbClr val="202122"/>
+              </a:solidFill>
+              <a:latin typeface="Bookman Old Style" panose="02050604050505020204" pitchFamily="18" charset="0"/>
+            </a:endParaRPr>
+          </a:p>
+          <a:p>
+            <a:endParaRPr lang="ru-RU" sz="2400" dirty="0" smtClean="0">
+              <a:solidFill>
+                <a:srgbClr val="0000FF"/>
+              </a:solidFill>
+              <a:highlight>
+                <a:srgbClr val="FFFFFF"/>
+              </a:highlight>
+              <a:latin typeface="Cascadia Mono" panose="020B0609020000020004" pitchFamily="49" charset="0"/>
+            </a:endParaRPr>
+          </a:p>
+          <a:p>
+            <a:endParaRPr lang="ru-RU" sz="2400" dirty="0">
+              <a:solidFill>
+                <a:srgbClr val="0000FF"/>
+              </a:solidFill>
+              <a:highlight>
+                <a:srgbClr val="FFFFFF"/>
+              </a:highlight>
+              <a:latin typeface="Cascadia Mono" panose="020B0609020000020004" pitchFamily="49" charset="0"/>
+            </a:endParaRPr>
+          </a:p>
+          <a:p>
+            <a:r>
+              <a:rPr lang="en-US" sz="2400" dirty="0" smtClean="0">
+                <a:solidFill>
+                  <a:srgbClr val="0000FF"/>
+                </a:solidFill>
+                <a:highlight>
+                  <a:srgbClr val="FFFFFF"/>
+                </a:highlight>
+                <a:latin typeface="Cascadia Mono" panose="020B0609020000020004" pitchFamily="49" charset="0"/>
+              </a:rPr>
+              <a:t>using</a:t>
+            </a:r>
+            <a:r>
+              <a:rPr lang="en-US" sz="2400" dirty="0" smtClean="0">
+                <a:solidFill>
+                  <a:srgbClr val="000000"/>
+                </a:solidFill>
+                <a:highlight>
+                  <a:srgbClr val="FFFFFF"/>
+                </a:highlight>
+                <a:latin typeface="Cascadia Mono" panose="020B0609020000020004" pitchFamily="49" charset="0"/>
+              </a:rPr>
+              <a:t> </a:t>
+            </a:r>
+            <a:r>
+              <a:rPr lang="en-US" sz="2400" dirty="0">
+                <a:solidFill>
+                  <a:srgbClr val="000000"/>
+                </a:solidFill>
+                <a:highlight>
+                  <a:srgbClr val="FFFFFF"/>
+                </a:highlight>
+                <a:latin typeface="Cascadia Mono" panose="020B0609020000020004" pitchFamily="49" charset="0"/>
+              </a:rPr>
+              <a:t>ConsoleApp2;</a:t>
+            </a:r>
+          </a:p>
+          <a:p>
+            <a:r>
+              <a:rPr lang="en-US" sz="2400" dirty="0">
+                <a:solidFill>
+                  <a:srgbClr val="0000FF"/>
+                </a:solidFill>
+                <a:highlight>
+                  <a:srgbClr val="FFFFFF"/>
+                </a:highlight>
+                <a:latin typeface="Cascadia Mono" panose="020B0609020000020004" pitchFamily="49" charset="0"/>
+              </a:rPr>
+              <a:t>using</a:t>
+            </a:r>
+            <a:r>
+              <a:rPr lang="en-US" sz="2400" dirty="0">
+                <a:solidFill>
+                  <a:srgbClr val="000000"/>
+                </a:solidFill>
+                <a:highlight>
+                  <a:srgbClr val="FFFFFF"/>
+                </a:highlight>
+                <a:latin typeface="Cascadia Mono" panose="020B0609020000020004" pitchFamily="49" charset="0"/>
+              </a:rPr>
+              <a:t> </a:t>
+            </a:r>
+            <a:r>
+              <a:rPr lang="en-US" sz="2400" dirty="0" err="1">
+                <a:solidFill>
+                  <a:srgbClr val="000000"/>
+                </a:solidFill>
+                <a:highlight>
+                  <a:srgbClr val="FFFFFF"/>
+                </a:highlight>
+                <a:latin typeface="Cascadia Mono" panose="020B0609020000020004" pitchFamily="49" charset="0"/>
+              </a:rPr>
+              <a:t>GeometryLibrary</a:t>
+            </a:r>
+            <a:r>
+              <a:rPr lang="en-US" sz="2400" dirty="0">
+                <a:solidFill>
+                  <a:srgbClr val="000000"/>
+                </a:solidFill>
+                <a:highlight>
+                  <a:srgbClr val="FFFFFF"/>
+                </a:highlight>
+                <a:latin typeface="Cascadia Mono" panose="020B0609020000020004" pitchFamily="49" charset="0"/>
+              </a:rPr>
+              <a:t>;</a:t>
+            </a:r>
+          </a:p>
+          <a:p>
+            <a:endParaRPr lang="ru-RU" sz="2400" dirty="0">
+              <a:solidFill>
+                <a:srgbClr val="000000"/>
+              </a:solidFill>
+              <a:highlight>
+                <a:srgbClr val="FFFFFF"/>
+              </a:highlight>
+              <a:latin typeface="Cascadia Mono" panose="020B0609020000020004" pitchFamily="49" charset="0"/>
+            </a:endParaRPr>
+          </a:p>
+          <a:p>
+            <a:r>
+              <a:rPr lang="en-US" sz="2400" dirty="0" err="1">
+                <a:solidFill>
+                  <a:srgbClr val="0000FF"/>
+                </a:solidFill>
+                <a:highlight>
+                  <a:srgbClr val="FFFFFF"/>
+                </a:highlight>
+                <a:latin typeface="Cascadia Mono" panose="020B0609020000020004" pitchFamily="49" charset="0"/>
+              </a:rPr>
+              <a:t>var</a:t>
+            </a:r>
+            <a:r>
+              <a:rPr lang="en-US" sz="2400" dirty="0">
+                <a:solidFill>
+                  <a:srgbClr val="000000"/>
+                </a:solidFill>
+                <a:highlight>
+                  <a:srgbClr val="FFFFFF"/>
+                </a:highlight>
+                <a:latin typeface="Cascadia Mono" panose="020B0609020000020004" pitchFamily="49" charset="0"/>
+              </a:rPr>
+              <a:t> circle = </a:t>
+            </a:r>
+            <a:r>
+              <a:rPr lang="en-US" sz="2400" dirty="0">
+                <a:solidFill>
+                  <a:srgbClr val="0000FF"/>
+                </a:solidFill>
+                <a:highlight>
+                  <a:srgbClr val="FFFFFF"/>
+                </a:highlight>
+                <a:latin typeface="Cascadia Mono" panose="020B0609020000020004" pitchFamily="49" charset="0"/>
+              </a:rPr>
+              <a:t>new</a:t>
+            </a:r>
+            <a:r>
+              <a:rPr lang="en-US" sz="2400" dirty="0">
+                <a:solidFill>
+                  <a:srgbClr val="000000"/>
+                </a:solidFill>
+                <a:highlight>
+                  <a:srgbClr val="FFFFFF"/>
+                </a:highlight>
+                <a:latin typeface="Cascadia Mono" panose="020B0609020000020004" pitchFamily="49" charset="0"/>
+              </a:rPr>
+              <a:t> </a:t>
+            </a:r>
+            <a:r>
+              <a:rPr lang="en-US" sz="2400" dirty="0">
+                <a:solidFill>
+                  <a:srgbClr val="2B91AF"/>
+                </a:solidFill>
+                <a:highlight>
+                  <a:srgbClr val="FFFFFF"/>
+                </a:highlight>
+                <a:latin typeface="Cascadia Mono" panose="020B0609020000020004" pitchFamily="49" charset="0"/>
+              </a:rPr>
+              <a:t>Circle</a:t>
+            </a:r>
+            <a:r>
+              <a:rPr lang="en-US" sz="2400" dirty="0">
+                <a:solidFill>
+                  <a:srgbClr val="000000"/>
+                </a:solidFill>
+                <a:highlight>
+                  <a:srgbClr val="FFFFFF"/>
+                </a:highlight>
+                <a:latin typeface="Cascadia Mono" panose="020B0609020000020004" pitchFamily="49" charset="0"/>
+              </a:rPr>
+              <a:t>(6);</a:t>
+            </a:r>
+          </a:p>
+          <a:p>
+            <a:endParaRPr lang="ru-RU" sz="2400" dirty="0">
+              <a:solidFill>
+                <a:srgbClr val="000000"/>
+              </a:solidFill>
+              <a:highlight>
+                <a:srgbClr val="FFFFFF"/>
+              </a:highlight>
+              <a:latin typeface="Cascadia Mono" panose="020B0609020000020004" pitchFamily="49" charset="0"/>
+            </a:endParaRPr>
+          </a:p>
+          <a:p>
+            <a:r>
+              <a:rPr lang="en-US" sz="2400" dirty="0" err="1">
+                <a:solidFill>
+                  <a:srgbClr val="0000FF"/>
+                </a:solidFill>
+                <a:highlight>
+                  <a:srgbClr val="FFFFFF"/>
+                </a:highlight>
+                <a:latin typeface="Cascadia Mono" panose="020B0609020000020004" pitchFamily="49" charset="0"/>
+              </a:rPr>
+              <a:t>var</a:t>
+            </a:r>
+            <a:r>
+              <a:rPr lang="en-US" sz="2400" dirty="0">
+                <a:solidFill>
+                  <a:srgbClr val="000000"/>
+                </a:solidFill>
+                <a:highlight>
+                  <a:srgbClr val="FFFFFF"/>
+                </a:highlight>
+                <a:latin typeface="Cascadia Mono" panose="020B0609020000020004" pitchFamily="49" charset="0"/>
+              </a:rPr>
+              <a:t> area = </a:t>
+            </a:r>
+            <a:r>
+              <a:rPr lang="en-US" sz="2400" dirty="0" err="1">
+                <a:solidFill>
+                  <a:srgbClr val="000000"/>
+                </a:solidFill>
+                <a:highlight>
+                  <a:srgbClr val="FFFFFF"/>
+                </a:highlight>
+                <a:latin typeface="Cascadia Mono" panose="020B0609020000020004" pitchFamily="49" charset="0"/>
+              </a:rPr>
+              <a:t>circle.GetArea</a:t>
+            </a:r>
+            <a:r>
+              <a:rPr lang="en-US" sz="2400" dirty="0">
+                <a:solidFill>
+                  <a:srgbClr val="000000"/>
+                </a:solidFill>
+                <a:highlight>
+                  <a:srgbClr val="FFFFFF"/>
+                </a:highlight>
+                <a:latin typeface="Cascadia Mono" panose="020B0609020000020004" pitchFamily="49" charset="0"/>
+              </a:rPr>
+              <a:t>();</a:t>
+            </a:r>
+          </a:p>
+          <a:p>
+            <a:endParaRPr lang="ru-RU" sz="2400" dirty="0">
+              <a:solidFill>
+                <a:srgbClr val="000000"/>
+              </a:solidFill>
+              <a:highlight>
+                <a:srgbClr val="FFFFFF"/>
+              </a:highlight>
+              <a:latin typeface="Cascadia Mono" panose="020B0609020000020004" pitchFamily="49" charset="0"/>
+            </a:endParaRPr>
+          </a:p>
+          <a:p>
+            <a:r>
+              <a:rPr lang="en-US" sz="2400" dirty="0" err="1">
+                <a:solidFill>
+                  <a:srgbClr val="0000FF"/>
+                </a:solidFill>
+                <a:highlight>
+                  <a:srgbClr val="FFFFFF"/>
+                </a:highlight>
+                <a:latin typeface="Cascadia Mono" panose="020B0609020000020004" pitchFamily="49" charset="0"/>
+              </a:rPr>
+              <a:t>var</a:t>
+            </a:r>
+            <a:r>
+              <a:rPr lang="en-US" sz="2400" dirty="0">
+                <a:solidFill>
+                  <a:srgbClr val="000000"/>
+                </a:solidFill>
+                <a:highlight>
+                  <a:srgbClr val="FFFFFF"/>
+                </a:highlight>
+                <a:latin typeface="Cascadia Mono" panose="020B0609020000020004" pitchFamily="49" charset="0"/>
+              </a:rPr>
+              <a:t> </a:t>
+            </a:r>
+            <a:r>
+              <a:rPr lang="en-US" sz="2400" dirty="0" err="1">
+                <a:solidFill>
+                  <a:srgbClr val="000000"/>
+                </a:solidFill>
+                <a:highlight>
+                  <a:srgbClr val="FFFFFF"/>
+                </a:highlight>
+                <a:latin typeface="Cascadia Mono" panose="020B0609020000020004" pitchFamily="49" charset="0"/>
+              </a:rPr>
+              <a:t>sectorArea</a:t>
+            </a:r>
+            <a:r>
+              <a:rPr lang="en-US" sz="2400" dirty="0">
+                <a:solidFill>
+                  <a:srgbClr val="000000"/>
+                </a:solidFill>
+                <a:highlight>
+                  <a:srgbClr val="FFFFFF"/>
+                </a:highlight>
+                <a:latin typeface="Cascadia Mono" panose="020B0609020000020004" pitchFamily="49" charset="0"/>
+              </a:rPr>
+              <a:t> = </a:t>
+            </a:r>
+            <a:r>
+              <a:rPr lang="en-US" sz="2400" dirty="0" err="1">
+                <a:solidFill>
+                  <a:srgbClr val="000000"/>
+                </a:solidFill>
+                <a:highlight>
+                  <a:srgbClr val="FFFFFF"/>
+                </a:highlight>
+                <a:latin typeface="Cascadia Mono" panose="020B0609020000020004" pitchFamily="49" charset="0"/>
+              </a:rPr>
+              <a:t>circle.GetSectorArea</a:t>
+            </a:r>
+            <a:r>
+              <a:rPr lang="en-US" sz="2400" dirty="0">
+                <a:solidFill>
+                  <a:srgbClr val="000000"/>
+                </a:solidFill>
+                <a:highlight>
+                  <a:srgbClr val="FFFFFF"/>
+                </a:highlight>
+                <a:latin typeface="Cascadia Mono" panose="020B0609020000020004" pitchFamily="49" charset="0"/>
+              </a:rPr>
+              <a:t>(15);</a:t>
+            </a:r>
+            <a:endParaRPr lang="ru-RU" sz="2400" dirty="0">
+              <a:latin typeface="Bookman Old Style" panose="02050604050505020204" pitchFamily="18" charset="0"/>
+            </a:endParaRPr>
+          </a:p>
+        </p:txBody>
+      </p:sp>
+    </p:spTree>
+    <p:extLst>
+      <p:ext uri="{BB962C8B-B14F-4D97-AF65-F5344CB8AC3E}">
+        <p14:creationId xmlns:p14="http://schemas.microsoft.com/office/powerpoint/2010/main" val="691113884"/>
+      </p:ext>
+    </p:extLst>
+  </p:cSld>
+  <p:clrMapOvr>
+    <a:masterClrMapping/>
+  </p:clrMapOvr>
+  <p:timing>
+    <p:tnLst>
+      <p:par>
+        <p:cTn id="1" dur="indefinite" restart="never" nodeType="tmRoot"/>
+      </p:par>
+    </p:tnLst>
+  </p:timing>
+</p:sld>
+</file>
+
+<file path=ppt/slides/slide41.xml><?xml version="1.0" encoding="utf-8"?>
 <p:sld xmlns:a="http://schemas.openxmlformats.org/drawingml/2006/main" xmlns:r="http://schemas.openxmlformats.org/officeDocument/2006/relationships" xmlns:p="http://schemas.openxmlformats.org/presentationml/2006/main">
   <p:cSld>
     <p:spTree>
